--- a/resources/dmgback.pptx
+++ b/resources/dmgback.pptx
@@ -5,8 +5,7 @@
     <p:sldMasterId id="2147483648" r:id="rId1"/>
   </p:sldMasterIdLst>
   <p:sldIdLst>
-    <p:sldId id="256" r:id="rId2"/>
-    <p:sldId id="257" r:id="rId3"/>
+    <p:sldId id="257" r:id="rId2"/>
   </p:sldIdLst>
   <p:sldSz cx="12192000" cy="6858000"/>
   <p:notesSz cx="6858000" cy="9144000"/>
@@ -105,6 +104,11 @@
       </a:defRPr>
     </a:lvl9pPr>
   </p:defaultTextStyle>
+  <p:extLst>
+    <p:ext uri="{EFAFB233-063F-42B5-8137-9DF3F51BA10A}">
+      <p15:sldGuideLst xmlns:p15="http://schemas.microsoft.com/office/powerpoint/2012/main"/>
+    </p:ext>
+  </p:extLst>
 </p:presentation>
 </file>
 
@@ -3610,78 +3614,12 @@
           <a:chExt cx="0" cy="0"/>
         </a:xfrm>
       </p:grpSpPr>
-      <p:pic>
-        <p:nvPicPr>
-          <p:cNvPr id="5" name="図 4">
-            <a:extLst>
-              <a:ext uri="{FF2B5EF4-FFF2-40B4-BE49-F238E27FC236}">
-                <a16:creationId xmlns:a16="http://schemas.microsoft.com/office/drawing/2014/main" id="{9E6E054F-9D50-4B76-B59E-63E708C892C7}"/>
-              </a:ext>
-            </a:extLst>
-          </p:cNvPr>
-          <p:cNvPicPr>
-            <a:picLocks noChangeAspect="1"/>
-          </p:cNvPicPr>
-          <p:nvPr/>
-        </p:nvPicPr>
-        <p:blipFill>
-          <a:blip r:embed="rId2">
-            <a:extLst>
-              <a:ext uri="{28A0092B-C50C-407E-A947-70E740481C1C}">
-                <a14:useLocalDpi xmlns:a14="http://schemas.microsoft.com/office/drawing/2010/main" val="0"/>
-              </a:ext>
-            </a:extLst>
-          </a:blip>
-          <a:stretch>
-            <a:fillRect/>
-          </a:stretch>
-        </p:blipFill>
-        <p:spPr>
-          <a:xfrm>
-            <a:off x="1987770" y="752101"/>
-            <a:ext cx="8216459" cy="5353797"/>
-          </a:xfrm>
-          <a:prstGeom prst="rect">
-            <a:avLst/>
-          </a:prstGeom>
-        </p:spPr>
-      </p:pic>
-    </p:spTree>
-    <p:extLst>
-      <p:ext uri="{BB962C8B-B14F-4D97-AF65-F5344CB8AC3E}">
-        <p14:creationId xmlns:p14="http://schemas.microsoft.com/office/powerpoint/2010/main" val="2493958379"/>
-      </p:ext>
-    </p:extLst>
-  </p:cSld>
-  <p:clrMapOvr>
-    <a:masterClrMapping/>
-  </p:clrMapOvr>
-</p:sld>
-</file>
-
-<file path=ppt/slides/slide2.xml><?xml version="1.0" encoding="utf-8"?>
-<p:sld xmlns:a="http://schemas.openxmlformats.org/drawingml/2006/main" xmlns:r="http://schemas.openxmlformats.org/officeDocument/2006/relationships" xmlns:p="http://schemas.openxmlformats.org/presentationml/2006/main">
-  <p:cSld>
-    <p:spTree>
-      <p:nvGrpSpPr>
-        <p:cNvPr id="1" name=""/>
-        <p:cNvGrpSpPr/>
-        <p:nvPr/>
-      </p:nvGrpSpPr>
-      <p:grpSpPr>
-        <a:xfrm>
-          <a:off x="0" y="0"/>
-          <a:ext cx="0" cy="0"/>
-          <a:chOff x="0" y="0"/>
-          <a:chExt cx="0" cy="0"/>
-        </a:xfrm>
-      </p:grpSpPr>
       <p:grpSp>
         <p:nvGrpSpPr>
-          <p:cNvPr id="7" name="グループ化 6">
-            <a:extLst>
-              <a:ext uri="{FF2B5EF4-FFF2-40B4-BE49-F238E27FC236}">
-                <a16:creationId xmlns:a16="http://schemas.microsoft.com/office/drawing/2014/main" id="{31463C97-F6CE-44F7-BD72-FA1E0F53CA39}"/>
+          <p:cNvPr id="6" name="グループ化 5">
+            <a:extLst>
+              <a:ext uri="{FF2B5EF4-FFF2-40B4-BE49-F238E27FC236}">
+                <a16:creationId xmlns:a16="http://schemas.microsoft.com/office/drawing/2014/main" id="{2F59F693-7E0C-4AFC-89FE-9A000BFD6063}"/>
               </a:ext>
             </a:extLst>
           </p:cNvPr>
@@ -3690,12 +3628,72 @@
         </p:nvGrpSpPr>
         <p:grpSpPr>
           <a:xfrm>
-            <a:off x="1775520" y="548680"/>
-            <a:ext cx="7920880" cy="5256584"/>
-            <a:chOff x="1775520" y="548680"/>
-            <a:chExt cx="7920880" cy="5256584"/>
+            <a:off x="1488432" y="477312"/>
+            <a:ext cx="8496000" cy="5760000"/>
+            <a:chOff x="1488432" y="333296"/>
+            <a:chExt cx="8496000" cy="5760000"/>
           </a:xfrm>
         </p:grpSpPr>
+        <p:sp>
+          <p:nvSpPr>
+            <p:cNvPr id="8" name="正方形/長方形 7">
+              <a:extLst>
+                <a:ext uri="{FF2B5EF4-FFF2-40B4-BE49-F238E27FC236}">
+                  <a16:creationId xmlns:a16="http://schemas.microsoft.com/office/drawing/2014/main" id="{6D24671A-152F-4824-BDBF-BDFBC125FAF6}"/>
+                </a:ext>
+              </a:extLst>
+            </p:cNvPr>
+            <p:cNvSpPr/>
+            <p:nvPr/>
+          </p:nvSpPr>
+          <p:spPr>
+            <a:xfrm>
+              <a:off x="1488432" y="333296"/>
+              <a:ext cx="8496000" cy="5760000"/>
+            </a:xfrm>
+            <a:prstGeom prst="rect">
+              <a:avLst/>
+            </a:prstGeom>
+            <a:solidFill>
+              <a:schemeClr val="bg1">
+                <a:lumMod val="95000"/>
+              </a:schemeClr>
+            </a:solidFill>
+            <a:ln>
+              <a:noFill/>
+            </a:ln>
+          </p:spPr>
+          <p:style>
+            <a:lnRef idx="2">
+              <a:schemeClr val="accent1">
+                <a:shade val="50000"/>
+              </a:schemeClr>
+            </a:lnRef>
+            <a:fillRef idx="1">
+              <a:schemeClr val="accent1"/>
+            </a:fillRef>
+            <a:effectRef idx="0">
+              <a:schemeClr val="accent1"/>
+            </a:effectRef>
+            <a:fontRef idx="minor">
+              <a:schemeClr val="lt1"/>
+            </a:fontRef>
+          </p:style>
+          <p:txBody>
+            <a:bodyPr wrap="none" lIns="36000" tIns="36000" rIns="36000" bIns="36000" rtlCol="0" anchor="ctr"/>
+            <a:lstStyle/>
+            <a:p>
+              <a:pPr algn="ctr"/>
+              <a:endParaRPr kumimoji="1" lang="en-US" altLang="ja-JP" sz="6600" b="1" dirty="0">
+                <a:solidFill>
+                  <a:schemeClr val="tx1"/>
+                </a:solidFill>
+                <a:latin typeface="メイリオ" panose="020B0604030504040204" pitchFamily="50" charset="-128"/>
+                <a:ea typeface="メイリオ" panose="020B0604030504040204" pitchFamily="50" charset="-128"/>
+              </a:endParaRPr>
+            </a:p>
+          </p:txBody>
+        </p:sp>
         <p:sp>
           <p:nvSpPr>
             <p:cNvPr id="2" name="正方形/長方形 1">
